--- a/Readme/CairnConnect - Weekly Status Report_03_20_2019.pptx
+++ b/Readme/CairnConnect - Weekly Status Report_03_20_2019.pptx
@@ -3099,7 +3099,7 @@
           <p:nvPr>
             <p:extLst>
               <p:ext uri="{D42A27DB-BD31-4B8C-83A1-F6EECF244321}">
-                <p14:modId xmlns:p14="http://schemas.microsoft.com/office/powerpoint/2010/main" val="2369548459"/>
+                <p14:modId xmlns:p14="http://schemas.microsoft.com/office/powerpoint/2010/main" val="864710507"/>
               </p:ext>
             </p:extLst>
           </p:nvPr>
@@ -3571,6 +3571,39 @@
                           <a:cs typeface="Arial" panose="020B0604020202020204" pitchFamily="34" charset="0"/>
                         </a:rPr>
                         <a:t>Database Administration issues (Access and Editing Privileges were denied)</a:t>
+                      </a:r>
+                    </a:p>
+                    <a:p>
+                      <a:pPr marL="171450" marR="0" lvl="0" indent="-171450" algn="l" defTabSz="914400" rtl="0" eaLnBrk="1" fontAlgn="base" latinLnBrk="0" hangingPunct="1">
+                        <a:lnSpc>
+                          <a:spcPct val="100000"/>
+                        </a:lnSpc>
+                        <a:spcBef>
+                          <a:spcPct val="0"/>
+                        </a:spcBef>
+                        <a:spcAft>
+                          <a:spcPct val="0"/>
+                        </a:spcAft>
+                        <a:buClrTx/>
+                        <a:buSzTx/>
+                        <a:buFont typeface="Arial" pitchFamily="34" charset="0"/>
+                        <a:buChar char="•"/>
+                        <a:tabLst/>
+                        <a:defRPr/>
+                      </a:pPr>
+                      <a:r>
+                        <a:rPr kumimoji="0" lang="en-US" sz="1000" b="0" i="0" u="none" strike="noStrike" cap="none" normalizeH="0" baseline="0" dirty="0">
+                          <a:ln>
+                            <a:noFill/>
+                          </a:ln>
+                          <a:solidFill>
+                            <a:srgbClr val="000000"/>
+                          </a:solidFill>
+                          <a:effectLst/>
+                          <a:latin typeface="Arial" panose="020B0604020202020204" pitchFamily="34" charset="0"/>
+                          <a:cs typeface="Arial" panose="020B0604020202020204" pitchFamily="34" charset="0"/>
+                        </a:rPr>
+                        <a:t>New Project Plan will need to be assessed</a:t>
                       </a:r>
                     </a:p>
                   </a:txBody>
@@ -4019,14 +4052,14 @@
           <p:nvPr>
             <p:extLst>
               <p:ext uri="{D42A27DB-BD31-4B8C-83A1-F6EECF244321}">
-                <p14:modId xmlns:p14="http://schemas.microsoft.com/office/powerpoint/2010/main" val="2413645450"/>
+                <p14:modId xmlns:p14="http://schemas.microsoft.com/office/powerpoint/2010/main" val="1489782609"/>
               </p:ext>
             </p:extLst>
           </p:nvPr>
         </p:nvGraphicFramePr>
         <p:xfrm>
-          <a:off x="87144" y="2382682"/>
-          <a:ext cx="3123892" cy="2492692"/>
+          <a:off x="124134" y="2670299"/>
+          <a:ext cx="3123892" cy="2300629"/>
         </p:xfrm>
         <a:graphic>
           <a:graphicData uri="http://schemas.openxmlformats.org/drawingml/2006/table">
@@ -5001,7 +5034,7 @@
                           <a:ea typeface="ヒラギノ角ゴ Pro W3"/>
                           <a:cs typeface="Arial" charset="0"/>
                         </a:rPr>
-                        <a:t>2/21</a:t>
+                        <a:t>2/20</a:t>
                       </a:r>
                     </a:p>
                   </a:txBody>
@@ -5419,7 +5452,7 @@
                           <a:ea typeface="ヒラギノ角ゴ Pro W3"/>
                           <a:cs typeface="Arial" charset="0"/>
                         </a:rPr>
-                        <a:t>3/13</a:t>
+                        <a:t>2/20</a:t>
                       </a:r>
                     </a:p>
                   </a:txBody>
@@ -5837,7 +5870,7 @@
                           <a:ea typeface="ヒラギノ角ゴ Pro W3"/>
                           <a:cs typeface="Arial" charset="0"/>
                         </a:rPr>
-                        <a:t>4/17</a:t>
+                        <a:t>3/39</a:t>
                       </a:r>
                     </a:p>
                   </a:txBody>
@@ -5904,20 +5937,23 @@
                         <a:buNone/>
                         <a:tabLst/>
                       </a:pPr>
-                      <a:endParaRPr kumimoji="0" lang="en-US" sz="1000" b="1" i="0" u="none" strike="noStrike" cap="none" normalizeH="0" baseline="0" dirty="0">
-                        <a:ln>
-                          <a:noFill/>
-                        </a:ln>
-                        <a:solidFill>
-                          <a:schemeClr val="tx1">
-                            <a:lumMod val="50000"/>
-                          </a:schemeClr>
-                        </a:solidFill>
-                        <a:effectLst/>
-                        <a:latin typeface="Arial" charset="0"/>
-                        <a:ea typeface="ヒラギノ角ゴ Pro W3"/>
-                        <a:cs typeface="Arial" charset="0"/>
-                      </a:endParaRPr>
+                      <a:r>
+                        <a:rPr kumimoji="0" lang="en-US" sz="1000" b="1" i="0" u="none" strike="noStrike" cap="none" normalizeH="0" baseline="0" dirty="0">
+                          <a:ln>
+                            <a:noFill/>
+                          </a:ln>
+                          <a:solidFill>
+                            <a:schemeClr val="tx1">
+                              <a:lumMod val="50000"/>
+                            </a:schemeClr>
+                          </a:solidFill>
+                          <a:effectLst/>
+                          <a:latin typeface="Arial" charset="0"/>
+                          <a:ea typeface="ヒラギノ角ゴ Pro W3"/>
+                          <a:cs typeface="Arial" charset="0"/>
+                        </a:rPr>
+                        <a:t>4/3</a:t>
+                      </a:r>
                     </a:p>
                   </a:txBody>
                   <a:tcPr marL="9144" marR="9144" marT="9144" marB="9144" horzOverflow="overflow">
@@ -6004,7 +6040,7 @@
                           <a:ea typeface="ヒラギノ角ゴ Pro W3"/>
                           <a:cs typeface="Arial" charset="0"/>
                         </a:rPr>
-                        <a:t>SIT - System Test</a:t>
+                        <a:t>Testing</a:t>
                       </a:r>
                     </a:p>
                   </a:txBody>
@@ -6323,20 +6359,23 @@
                         <a:buNone/>
                         <a:tabLst/>
                       </a:pPr>
-                      <a:endParaRPr kumimoji="0" lang="en-US" sz="1000" b="1" i="0" u="none" strike="noStrike" cap="none" normalizeH="0" baseline="0" dirty="0">
-                        <a:ln>
-                          <a:noFill/>
-                        </a:ln>
-                        <a:solidFill>
-                          <a:schemeClr val="tx1">
-                            <a:lumMod val="50000"/>
-                          </a:schemeClr>
-                        </a:solidFill>
-                        <a:effectLst/>
-                        <a:latin typeface="Arial" charset="0"/>
-                        <a:ea typeface="ヒラギノ角ゴ Pro W3"/>
-                        <a:cs typeface="Arial" charset="0"/>
-                      </a:endParaRPr>
+                      <a:r>
+                        <a:rPr kumimoji="0" lang="en-US" sz="1000" b="1" i="0" u="none" strike="noStrike" cap="none" normalizeH="0" baseline="0" dirty="0">
+                          <a:ln>
+                            <a:noFill/>
+                          </a:ln>
+                          <a:solidFill>
+                            <a:schemeClr val="tx1">
+                              <a:lumMod val="50000"/>
+                            </a:schemeClr>
+                          </a:solidFill>
+                          <a:effectLst/>
+                          <a:latin typeface="Arial" charset="0"/>
+                          <a:ea typeface="ヒラギノ角ゴ Pro W3"/>
+                          <a:cs typeface="Arial" charset="0"/>
+                        </a:rPr>
+                        <a:t>4/24</a:t>
+                      </a:r>
                     </a:p>
                   </a:txBody>
                   <a:tcPr marL="9144" marR="9144" marT="9144" marB="9144" horzOverflow="overflow">
@@ -6422,7 +6461,7 @@
                           <a:ea typeface="ヒラギノ角ゴ Pro W3"/>
                           <a:cs typeface="Arial" charset="0"/>
                         </a:rPr>
-                        <a:t>UAT User Acceptance Test</a:t>
+                        <a:t>Training Plan Development</a:t>
                       </a:r>
                     </a:p>
                   </a:txBody>
@@ -6674,7 +6713,7 @@
                           <a:ea typeface="ヒラギノ角ゴ Pro W3"/>
                           <a:cs typeface="Arial" charset="0"/>
                         </a:rPr>
-                        <a:t>4/17</a:t>
+                        <a:t>3/27</a:t>
                       </a:r>
                     </a:p>
                   </a:txBody>
@@ -6741,20 +6780,23 @@
                         <a:buNone/>
                         <a:tabLst/>
                       </a:pPr>
-                      <a:endParaRPr kumimoji="0" lang="en-US" sz="1000" b="1" i="0" u="none" strike="noStrike" cap="none" normalizeH="0" baseline="0" dirty="0">
-                        <a:ln>
-                          <a:noFill/>
-                        </a:ln>
-                        <a:solidFill>
-                          <a:schemeClr val="tx1">
-                            <a:lumMod val="50000"/>
-                          </a:schemeClr>
-                        </a:solidFill>
-                        <a:effectLst/>
-                        <a:latin typeface="Arial" charset="0"/>
-                        <a:ea typeface="ヒラギノ角ゴ Pro W3"/>
-                        <a:cs typeface="Arial" charset="0"/>
-                      </a:endParaRPr>
+                      <a:r>
+                        <a:rPr kumimoji="0" lang="en-US" sz="1000" b="1" i="0" u="none" strike="noStrike" cap="none" normalizeH="0" baseline="0" dirty="0">
+                          <a:ln>
+                            <a:noFill/>
+                          </a:ln>
+                          <a:solidFill>
+                            <a:schemeClr val="tx1">
+                              <a:lumMod val="50000"/>
+                            </a:schemeClr>
+                          </a:solidFill>
+                          <a:effectLst/>
+                          <a:latin typeface="Arial" charset="0"/>
+                          <a:ea typeface="ヒラギノ角ゴ Pro W3"/>
+                          <a:cs typeface="Arial" charset="0"/>
+                        </a:rPr>
+                        <a:t>4/17</a:t>
+                      </a:r>
                     </a:p>
                   </a:txBody>
                   <a:tcPr marL="9144" marR="9144" marT="9144" marB="9144" horzOverflow="overflow">
@@ -6801,11 +6843,11 @@
                 </a:tc>
                 <a:extLst>
                   <a:ext uri="{0D108BD9-81ED-4DB2-BD59-A6C34878D82A}">
-                    <a16:rowId xmlns:a16="http://schemas.microsoft.com/office/drawing/2014/main" val="10006"/>
+                    <a16:rowId xmlns:a16="http://schemas.microsoft.com/office/drawing/2014/main" val="10007"/>
                   </a:ext>
                 </a:extLst>
               </a:tr>
-              <a:tr h="192063">
+              <a:tr h="185586">
                 <a:tc>
                   <a:txBody>
                     <a:bodyPr/>
@@ -6840,7 +6882,7 @@
                           <a:ea typeface="ヒラギノ角ゴ Pro W3"/>
                           <a:cs typeface="Arial" charset="0"/>
                         </a:rPr>
-                        <a:t>Training and Doc</a:t>
+                        <a:t>Deployment</a:t>
                       </a:r>
                     </a:p>
                   </a:txBody>
@@ -7092,7 +7134,7 @@
                           <a:ea typeface="ヒラギノ角ゴ Pro W3"/>
                           <a:cs typeface="Arial" charset="0"/>
                         </a:rPr>
-                        <a:t>4/17</a:t>
+                        <a:t>5/1</a:t>
                       </a:r>
                     </a:p>
                   </a:txBody>
@@ -7159,20 +7201,23 @@
                         <a:buNone/>
                         <a:tabLst/>
                       </a:pPr>
-                      <a:endParaRPr kumimoji="0" lang="en-US" sz="1000" b="1" i="0" u="none" strike="noStrike" cap="none" normalizeH="0" baseline="0" dirty="0">
-                        <a:ln>
-                          <a:noFill/>
-                        </a:ln>
-                        <a:solidFill>
-                          <a:schemeClr val="tx1">
-                            <a:lumMod val="50000"/>
-                          </a:schemeClr>
-                        </a:solidFill>
-                        <a:effectLst/>
-                        <a:latin typeface="Arial" charset="0"/>
-                        <a:ea typeface="ヒラギノ角ゴ Pro W3"/>
-                        <a:cs typeface="Arial" charset="0"/>
-                      </a:endParaRPr>
+                      <a:r>
+                        <a:rPr kumimoji="0" lang="en-US" sz="1000" b="1" i="0" u="none" strike="noStrike" cap="none" normalizeH="0" baseline="0" dirty="0">
+                          <a:ln>
+                            <a:noFill/>
+                          </a:ln>
+                          <a:solidFill>
+                            <a:schemeClr val="tx1">
+                              <a:lumMod val="50000"/>
+                            </a:schemeClr>
+                          </a:solidFill>
+                          <a:effectLst/>
+                          <a:latin typeface="Arial" charset="0"/>
+                          <a:ea typeface="ヒラギノ角ゴ Pro W3"/>
+                          <a:cs typeface="Arial" charset="0"/>
+                        </a:rPr>
+                        <a:t>5/1</a:t>
+                      </a:r>
                     </a:p>
                   </a:txBody>
                   <a:tcPr marL="9144" marR="9144" marT="9144" marB="9144" horzOverflow="overflow">
@@ -7219,7 +7264,7 @@
                 </a:tc>
                 <a:extLst>
                   <a:ext uri="{0D108BD9-81ED-4DB2-BD59-A6C34878D82A}">
-                    <a16:rowId xmlns:a16="http://schemas.microsoft.com/office/drawing/2014/main" val="10007"/>
+                    <a16:rowId xmlns:a16="http://schemas.microsoft.com/office/drawing/2014/main" val="10008"/>
                   </a:ext>
                 </a:extLst>
               </a:tr>
@@ -7258,7 +7303,7 @@
                           <a:ea typeface="ヒラギノ角ゴ Pro W3"/>
                           <a:cs typeface="Arial" charset="0"/>
                         </a:rPr>
-                        <a:t>Deployment</a:t>
+                        <a:t>Go Live</a:t>
                       </a:r>
                     </a:p>
                   </a:txBody>
@@ -7577,20 +7622,23 @@
                         <a:buNone/>
                         <a:tabLst/>
                       </a:pPr>
-                      <a:endParaRPr kumimoji="0" lang="en-US" sz="1000" b="1" i="0" u="none" strike="noStrike" cap="none" normalizeH="0" baseline="0" dirty="0">
-                        <a:ln>
-                          <a:noFill/>
-                        </a:ln>
-                        <a:solidFill>
-                          <a:schemeClr val="tx1">
-                            <a:lumMod val="50000"/>
-                          </a:schemeClr>
-                        </a:solidFill>
-                        <a:effectLst/>
-                        <a:latin typeface="Arial" charset="0"/>
-                        <a:ea typeface="ヒラギノ角ゴ Pro W3"/>
-                        <a:cs typeface="Arial" charset="0"/>
-                      </a:endParaRPr>
+                      <a:r>
+                        <a:rPr kumimoji="0" lang="en-US" sz="1000" b="1" i="0" u="none" strike="noStrike" cap="none" normalizeH="0" baseline="0" dirty="0">
+                          <a:ln>
+                            <a:noFill/>
+                          </a:ln>
+                          <a:solidFill>
+                            <a:schemeClr val="tx1">
+                              <a:lumMod val="50000"/>
+                            </a:schemeClr>
+                          </a:solidFill>
+                          <a:effectLst/>
+                          <a:latin typeface="Arial" charset="0"/>
+                          <a:ea typeface="ヒラギノ角ゴ Pro W3"/>
+                          <a:cs typeface="Arial" charset="0"/>
+                        </a:rPr>
+                        <a:t>5/8</a:t>
+                      </a:r>
                     </a:p>
                   </a:txBody>
                   <a:tcPr marL="9144" marR="9144" marT="9144" marB="9144" horzOverflow="overflow">
@@ -7637,7 +7685,7 @@
                 </a:tc>
                 <a:extLst>
                   <a:ext uri="{0D108BD9-81ED-4DB2-BD59-A6C34878D82A}">
-                    <a16:rowId xmlns:a16="http://schemas.microsoft.com/office/drawing/2014/main" val="10008"/>
+                    <a16:rowId xmlns:a16="http://schemas.microsoft.com/office/drawing/2014/main" val="10009"/>
                   </a:ext>
                 </a:extLst>
               </a:tr>
@@ -7676,7 +7724,7 @@
                           <a:ea typeface="ヒラギノ角ゴ Pro W3"/>
                           <a:cs typeface="Arial" charset="0"/>
                         </a:rPr>
-                        <a:t>Go Live</a:t>
+                        <a:t>Hyper Care</a:t>
                       </a:r>
                     </a:p>
                   </a:txBody>
@@ -7928,7 +7976,7 @@
                           <a:ea typeface="ヒラギノ角ゴ Pro W3"/>
                           <a:cs typeface="Arial" charset="0"/>
                         </a:rPr>
-                        <a:t>5/1</a:t>
+                        <a:t>5/8</a:t>
                       </a:r>
                     </a:p>
                   </a:txBody>
@@ -7972,260 +8020,6 @@
                     <a:solidFill>
                       <a:srgbClr val="DDDDDD"/>
                     </a:solidFill>
-                  </a:tcPr>
-                </a:tc>
-                <a:tc>
-                  <a:txBody>
-                    <a:bodyPr/>
-                    <a:lstStyle/>
-                    <a:p>
-                      <a:pPr marL="0" marR="0" lvl="0" indent="0" algn="ctr" defTabSz="914400" rtl="0" eaLnBrk="1" fontAlgn="base" latinLnBrk="0" hangingPunct="1">
-                        <a:lnSpc>
-                          <a:spcPct val="100000"/>
-                        </a:lnSpc>
-                        <a:spcBef>
-                          <a:spcPct val="0"/>
-                        </a:spcBef>
-                        <a:spcAft>
-                          <a:spcPct val="0"/>
-                        </a:spcAft>
-                        <a:buClrTx/>
-                        <a:buSzTx/>
-                        <a:buFontTx/>
-                        <a:buNone/>
-                        <a:tabLst/>
-                      </a:pPr>
-                      <a:endParaRPr kumimoji="0" lang="en-US" sz="1000" b="1" i="0" u="none" strike="noStrike" cap="none" normalizeH="0" baseline="0" dirty="0">
-                        <a:ln>
-                          <a:noFill/>
-                        </a:ln>
-                        <a:solidFill>
-                          <a:schemeClr val="tx1">
-                            <a:lumMod val="50000"/>
-                          </a:schemeClr>
-                        </a:solidFill>
-                        <a:effectLst/>
-                        <a:latin typeface="Arial" charset="0"/>
-                        <a:ea typeface="ヒラギノ角ゴ Pro W3"/>
-                        <a:cs typeface="Arial" charset="0"/>
-                      </a:endParaRPr>
-                    </a:p>
-                  </a:txBody>
-                  <a:tcPr marL="9144" marR="9144" marT="9144" marB="9144" horzOverflow="overflow">
-                    <a:lnL w="12700" cap="flat" cmpd="sng" algn="ctr">
-                      <a:solidFill>
-                        <a:schemeClr val="bg1"/>
-                      </a:solidFill>
-                      <a:prstDash val="solid"/>
-                      <a:round/>
-                      <a:headEnd type="none" w="med" len="med"/>
-                      <a:tailEnd type="none" w="med" len="med"/>
-                    </a:lnL>
-                    <a:lnR w="12700" cap="flat" cmpd="sng" algn="ctr">
-                      <a:solidFill>
-                        <a:schemeClr val="bg1"/>
-                      </a:solidFill>
-                      <a:prstDash val="solid"/>
-                      <a:round/>
-                      <a:headEnd type="none" w="med" len="med"/>
-                      <a:tailEnd type="none" w="med" len="med"/>
-                    </a:lnR>
-                    <a:lnT w="12700" cap="flat" cmpd="sng" algn="ctr">
-                      <a:solidFill>
-                        <a:schemeClr val="bg1"/>
-                      </a:solidFill>
-                      <a:prstDash val="solid"/>
-                      <a:round/>
-                      <a:headEnd type="none" w="med" len="med"/>
-                      <a:tailEnd type="none" w="med" len="med"/>
-                    </a:lnT>
-                    <a:lnB w="12700" cap="flat" cmpd="sng" algn="ctr">
-                      <a:solidFill>
-                        <a:schemeClr val="bg1"/>
-                      </a:solidFill>
-                      <a:prstDash val="solid"/>
-                      <a:round/>
-                      <a:headEnd type="none" w="med" len="med"/>
-                      <a:tailEnd type="none" w="med" len="med"/>
-                    </a:lnB>
-                    <a:solidFill>
-                      <a:srgbClr val="DDDDDD"/>
-                    </a:solidFill>
-                  </a:tcPr>
-                </a:tc>
-                <a:extLst>
-                  <a:ext uri="{0D108BD9-81ED-4DB2-BD59-A6C34878D82A}">
-                    <a16:rowId xmlns:a16="http://schemas.microsoft.com/office/drawing/2014/main" val="10009"/>
-                  </a:ext>
-                </a:extLst>
-              </a:tr>
-              <a:tr h="185586">
-                <a:tc>
-                  <a:txBody>
-                    <a:bodyPr/>
-                    <a:lstStyle/>
-                    <a:p>
-                      <a:pPr marL="0" marR="0" lvl="0" indent="0" algn="l" defTabSz="914400" rtl="0" eaLnBrk="1" fontAlgn="base" latinLnBrk="0" hangingPunct="1">
-                        <a:lnSpc>
-                          <a:spcPct val="100000"/>
-                        </a:lnSpc>
-                        <a:spcBef>
-                          <a:spcPct val="0"/>
-                        </a:spcBef>
-                        <a:spcAft>
-                          <a:spcPct val="0"/>
-                        </a:spcAft>
-                        <a:buClrTx/>
-                        <a:buSzTx/>
-                        <a:buFontTx/>
-                        <a:buNone/>
-                        <a:tabLst/>
-                      </a:pPr>
-                      <a:r>
-                        <a:rPr kumimoji="0" lang="en-US" sz="1000" b="0" i="0" u="none" strike="noStrike" cap="none" normalizeH="0" baseline="0" dirty="0">
-                          <a:ln>
-                            <a:noFill/>
-                          </a:ln>
-                          <a:solidFill>
-                            <a:srgbClr val="000000"/>
-                          </a:solidFill>
-                          <a:effectLst/>
-                          <a:latin typeface="Arial" charset="0"/>
-                          <a:ea typeface="ヒラギノ角ゴ Pro W3"/>
-                          <a:cs typeface="Arial" charset="0"/>
-                        </a:rPr>
-                        <a:t>Hyper Care</a:t>
-                      </a:r>
-                    </a:p>
-                  </a:txBody>
-                  <a:tcPr marL="9144" marR="9144" marT="9144" marB="9144" horzOverflow="overflow">
-                    <a:lnL w="12700" cap="flat" cmpd="sng" algn="ctr">
-                      <a:solidFill>
-                        <a:schemeClr val="bg1"/>
-                      </a:solidFill>
-                      <a:prstDash val="solid"/>
-                      <a:round/>
-                      <a:headEnd type="none" w="med" len="med"/>
-                      <a:tailEnd type="none" w="med" len="med"/>
-                    </a:lnL>
-                    <a:lnR w="12700" cap="flat" cmpd="sng" algn="ctr">
-                      <a:solidFill>
-                        <a:schemeClr val="bg1"/>
-                      </a:solidFill>
-                      <a:prstDash val="solid"/>
-                      <a:round/>
-                      <a:headEnd type="none" w="med" len="med"/>
-                      <a:tailEnd type="none" w="med" len="med"/>
-                    </a:lnR>
-                    <a:lnT w="12700" cap="flat" cmpd="sng" algn="ctr">
-                      <a:solidFill>
-                        <a:schemeClr val="bg1"/>
-                      </a:solidFill>
-                      <a:prstDash val="solid"/>
-                      <a:round/>
-                      <a:headEnd type="none" w="med" len="med"/>
-                      <a:tailEnd type="none" w="med" len="med"/>
-                    </a:lnT>
-                    <a:lnB w="12700" cap="flat" cmpd="sng" algn="ctr">
-                      <a:solidFill>
-                        <a:schemeClr val="bg1"/>
-                      </a:solidFill>
-                      <a:prstDash val="solid"/>
-                      <a:round/>
-                      <a:headEnd type="none" w="med" len="med"/>
-                      <a:tailEnd type="none" w="med" len="med"/>
-                    </a:lnB>
-                    <a:solidFill>
-                      <a:srgbClr val="DDDDDD"/>
-                    </a:solidFill>
-                  </a:tcPr>
-                </a:tc>
-                <a:tc>
-                  <a:txBody>
-                    <a:bodyPr/>
-                    <a:lstStyle/>
-                    <a:p>
-                      <a:pPr marL="0" marR="0" lvl="0" indent="0" algn="l" defTabSz="914400" rtl="0" eaLnBrk="1" fontAlgn="base" latinLnBrk="0" hangingPunct="1">
-                        <a:lnSpc>
-                          <a:spcPct val="100000"/>
-                        </a:lnSpc>
-                        <a:spcBef>
-                          <a:spcPct val="0"/>
-                        </a:spcBef>
-                        <a:spcAft>
-                          <a:spcPct val="0"/>
-                        </a:spcAft>
-                        <a:buClrTx/>
-                        <a:buSzTx/>
-                        <a:buFontTx/>
-                        <a:buNone/>
-                        <a:tabLst/>
-                      </a:pPr>
-                      <a:endParaRPr kumimoji="0" lang="en-US" sz="800" b="0" i="0" u="none" strike="noStrike" cap="none" normalizeH="0" baseline="0" dirty="0">
-                        <a:ln>
-                          <a:noFill/>
-                        </a:ln>
-                        <a:solidFill>
-                          <a:schemeClr val="tx1"/>
-                        </a:solidFill>
-                        <a:effectLst/>
-                        <a:latin typeface="Arial" charset="0"/>
-                        <a:ea typeface="ヒラギノ角ゴ Pro W3"/>
-                        <a:cs typeface="ヒラギノ角ゴ Pro W3"/>
-                      </a:endParaRPr>
-                    </a:p>
-                  </a:txBody>
-                  <a:tcPr marL="9144" marR="9144" marT="9144" marB="9144" horzOverflow="overflow">
-                    <a:lnL w="12700" cap="flat" cmpd="sng" algn="ctr">
-                      <a:solidFill>
-                        <a:schemeClr val="bg1"/>
-                      </a:solidFill>
-                      <a:prstDash val="solid"/>
-                      <a:round/>
-                      <a:headEnd type="none" w="med" len="med"/>
-                      <a:tailEnd type="none" w="med" len="med"/>
-                    </a:lnL>
-                    <a:lnR w="12700" cap="flat" cmpd="sng" algn="ctr">
-                      <a:solidFill>
-                        <a:schemeClr val="bg1"/>
-                      </a:solidFill>
-                      <a:prstDash val="solid"/>
-                      <a:round/>
-                      <a:headEnd type="none" w="med" len="med"/>
-                      <a:tailEnd type="none" w="med" len="med"/>
-                    </a:lnR>
-                    <a:lnT w="12700" cap="flat" cmpd="sng" algn="ctr">
-                      <a:solidFill>
-                        <a:schemeClr val="bg1"/>
-                      </a:solidFill>
-                      <a:prstDash val="solid"/>
-                      <a:round/>
-                      <a:headEnd type="none" w="med" len="med"/>
-                      <a:tailEnd type="none" w="med" len="med"/>
-                    </a:lnT>
-                    <a:lnB w="12700" cap="flat" cmpd="sng" algn="ctr">
-                      <a:solidFill>
-                        <a:schemeClr val="bg1"/>
-                      </a:solidFill>
-                      <a:prstDash val="solid"/>
-                      <a:round/>
-                      <a:headEnd type="none" w="med" len="med"/>
-                      <a:tailEnd type="none" w="med" len="med"/>
-                    </a:lnB>
-                    <a:gradFill>
-                      <a:gsLst>
-                        <a:gs pos="33000">
-                          <a:srgbClr val="92D050"/>
-                        </a:gs>
-                        <a:gs pos="50000">
-                          <a:srgbClr val="FFFF00"/>
-                        </a:gs>
-                        <a:gs pos="66000">
-                          <a:srgbClr val="FF0000"/>
-                        </a:gs>
-                      </a:gsLst>
-                      <a:lin ang="0" scaled="0"/>
-                    </a:gradFill>
                   </a:tcPr>
                 </a:tc>
                 <a:tc>
@@ -8264,169 +8058,8 @@
                           <a:ea typeface="ヒラギノ角ゴ Pro W3"/>
                           <a:cs typeface="Arial" charset="0"/>
                         </a:rPr>
-                        <a:t>0%</a:t>
-                      </a:r>
-                    </a:p>
-                  </a:txBody>
-                  <a:tcPr marL="9144" marR="9144" marT="9144" marB="9144" horzOverflow="overflow">
-                    <a:lnL w="12700" cap="flat" cmpd="sng" algn="ctr">
-                      <a:solidFill>
-                        <a:schemeClr val="bg1"/>
-                      </a:solidFill>
-                      <a:prstDash val="solid"/>
-                      <a:round/>
-                      <a:headEnd type="none" w="med" len="med"/>
-                      <a:tailEnd type="none" w="med" len="med"/>
-                    </a:lnL>
-                    <a:lnR w="12700" cap="flat" cmpd="sng" algn="ctr">
-                      <a:solidFill>
-                        <a:schemeClr val="bg1"/>
-                      </a:solidFill>
-                      <a:prstDash val="solid"/>
-                      <a:round/>
-                      <a:headEnd type="none" w="med" len="med"/>
-                      <a:tailEnd type="none" w="med" len="med"/>
-                    </a:lnR>
-                    <a:lnT w="12700" cap="flat" cmpd="sng" algn="ctr">
-                      <a:solidFill>
-                        <a:schemeClr val="bg1"/>
-                      </a:solidFill>
-                      <a:prstDash val="solid"/>
-                      <a:round/>
-                      <a:headEnd type="none" w="med" len="med"/>
-                      <a:tailEnd type="none" w="med" len="med"/>
-                    </a:lnT>
-                    <a:lnB w="12700" cap="flat" cmpd="sng" algn="ctr">
-                      <a:solidFill>
-                        <a:schemeClr val="bg1"/>
-                      </a:solidFill>
-                      <a:prstDash val="solid"/>
-                      <a:round/>
-                      <a:headEnd type="none" w="med" len="med"/>
-                      <a:tailEnd type="none" w="med" len="med"/>
-                    </a:lnB>
-                    <a:solidFill>
-                      <a:srgbClr val="DDDDDD"/>
-                    </a:solidFill>
-                  </a:tcPr>
-                </a:tc>
-                <a:tc>
-                  <a:txBody>
-                    <a:bodyPr/>
-                    <a:lstStyle/>
-                    <a:p>
-                      <a:pPr marL="0" marR="0" lvl="0" indent="0" algn="ctr" defTabSz="914400" rtl="0" eaLnBrk="1" fontAlgn="base" latinLnBrk="0" hangingPunct="1">
-                        <a:lnSpc>
-                          <a:spcPct val="100000"/>
-                        </a:lnSpc>
-                        <a:spcBef>
-                          <a:spcPct val="0"/>
-                        </a:spcBef>
-                        <a:spcAft>
-                          <a:spcPct val="0"/>
-                        </a:spcAft>
-                        <a:buClrTx/>
-                        <a:buSzTx/>
-                        <a:buFontTx/>
-                        <a:buNone/>
-                        <a:tabLst/>
-                      </a:pPr>
-                      <a:r>
-                        <a:rPr kumimoji="0" lang="en-US" sz="1000" b="0" i="0" u="none" strike="noStrike" cap="none" normalizeH="0" baseline="0" dirty="0">
-                          <a:ln>
-                            <a:noFill/>
-                          </a:ln>
-                          <a:solidFill>
-                            <a:schemeClr val="tx1">
-                              <a:lumMod val="50000"/>
-                            </a:schemeClr>
-                          </a:solidFill>
-                          <a:effectLst/>
-                          <a:latin typeface="Arial" charset="0"/>
-                          <a:ea typeface="ヒラギノ角ゴ Pro W3"/>
-                          <a:cs typeface="Arial" charset="0"/>
-                        </a:rPr>
                         <a:t>5/8</a:t>
                       </a:r>
-                    </a:p>
-                  </a:txBody>
-                  <a:tcPr marL="9144" marR="9144" marT="9144" marB="9144" horzOverflow="overflow">
-                    <a:lnL w="12700" cap="flat" cmpd="sng" algn="ctr">
-                      <a:solidFill>
-                        <a:schemeClr val="bg1"/>
-                      </a:solidFill>
-                      <a:prstDash val="solid"/>
-                      <a:round/>
-                      <a:headEnd type="none" w="med" len="med"/>
-                      <a:tailEnd type="none" w="med" len="med"/>
-                    </a:lnL>
-                    <a:lnR w="12700" cap="flat" cmpd="sng" algn="ctr">
-                      <a:solidFill>
-                        <a:schemeClr val="bg1"/>
-                      </a:solidFill>
-                      <a:prstDash val="solid"/>
-                      <a:round/>
-                      <a:headEnd type="none" w="med" len="med"/>
-                      <a:tailEnd type="none" w="med" len="med"/>
-                    </a:lnR>
-                    <a:lnT w="12700" cap="flat" cmpd="sng" algn="ctr">
-                      <a:solidFill>
-                        <a:schemeClr val="bg1"/>
-                      </a:solidFill>
-                      <a:prstDash val="solid"/>
-                      <a:round/>
-                      <a:headEnd type="none" w="med" len="med"/>
-                      <a:tailEnd type="none" w="med" len="med"/>
-                    </a:lnT>
-                    <a:lnB w="12700" cap="flat" cmpd="sng" algn="ctr">
-                      <a:solidFill>
-                        <a:schemeClr val="bg1"/>
-                      </a:solidFill>
-                      <a:prstDash val="solid"/>
-                      <a:round/>
-                      <a:headEnd type="none" w="med" len="med"/>
-                      <a:tailEnd type="none" w="med" len="med"/>
-                    </a:lnB>
-                    <a:solidFill>
-                      <a:srgbClr val="DDDDDD"/>
-                    </a:solidFill>
-                  </a:tcPr>
-                </a:tc>
-                <a:tc>
-                  <a:txBody>
-                    <a:bodyPr/>
-                    <a:lstStyle/>
-                    <a:p>
-                      <a:pPr marL="0" marR="0" lvl="0" indent="0" algn="ctr" defTabSz="914400" rtl="0" eaLnBrk="1" fontAlgn="base" latinLnBrk="0" hangingPunct="1">
-                        <a:lnSpc>
-                          <a:spcPct val="100000"/>
-                        </a:lnSpc>
-                        <a:spcBef>
-                          <a:spcPct val="0"/>
-                        </a:spcBef>
-                        <a:spcAft>
-                          <a:spcPct val="0"/>
-                        </a:spcAft>
-                        <a:buClrTx/>
-                        <a:buSzTx/>
-                        <a:buFontTx/>
-                        <a:buNone/>
-                        <a:tabLst/>
-                      </a:pPr>
-                      <a:endParaRPr kumimoji="0" lang="en-US" sz="1000" b="1" i="0" u="none" strike="noStrike" cap="none" normalizeH="0" baseline="0" dirty="0">
-                        <a:ln>
-                          <a:noFill/>
-                        </a:ln>
-                        <a:solidFill>
-                          <a:schemeClr val="tx1">
-                            <a:lumMod val="50000"/>
-                          </a:schemeClr>
-                        </a:solidFill>
-                        <a:effectLst/>
-                        <a:latin typeface="Arial" charset="0"/>
-                        <a:ea typeface="ヒラギノ角ゴ Pro W3"/>
-                        <a:cs typeface="Arial" charset="0"/>
-                      </a:endParaRPr>
                     </a:p>
                   </a:txBody>
                   <a:tcPr marL="9144" marR="9144" marT="9144" marB="9144" horzOverflow="overflow">
@@ -11485,7 +11118,7 @@
                         <a:tabLst/>
                       </a:pPr>
                       <a:r>
-                        <a:rPr lang="en-US" sz="1000" b="0" strike="noStrike" kern="1200">
+                        <a:rPr lang="en-US" sz="1000" b="0" strike="noStrike" kern="1200" dirty="0">
                           <a:solidFill>
                             <a:schemeClr val="tx1">
                               <a:lumMod val="50000"/>
@@ -11497,16 +11130,6 @@
                         </a:rPr>
                         <a:t>Med/ High</a:t>
                       </a:r>
-                      <a:endParaRPr lang="en-US" sz="1000" b="0" strike="noStrike" kern="1200" dirty="0">
-                        <a:solidFill>
-                          <a:schemeClr val="tx1">
-                            <a:lumMod val="50000"/>
-                          </a:schemeClr>
-                        </a:solidFill>
-                        <a:latin typeface="+mn-lt"/>
-                        <a:ea typeface="+mn-ea"/>
-                        <a:cs typeface="+mn-cs"/>
-                      </a:endParaRPr>
                     </a:p>
                     <a:p>
                       <a:pPr marL="0" marR="0" lvl="0" indent="0" algn="ctr" defTabSz="914400" rtl="0" eaLnBrk="1" fontAlgn="base" latinLnBrk="0" hangingPunct="1">
@@ -11638,7 +11261,7 @@
           <p:nvPr>
             <p:extLst>
               <p:ext uri="{D42A27DB-BD31-4B8C-83A1-F6EECF244321}">
-                <p14:modId xmlns:p14="http://schemas.microsoft.com/office/powerpoint/2010/main" val="1144415005"/>
+                <p14:modId xmlns:p14="http://schemas.microsoft.com/office/powerpoint/2010/main" val="805078587"/>
               </p:ext>
             </p:extLst>
           </p:nvPr>
@@ -12927,7 +12550,7 @@
                           <a:ea typeface="+mn-ea"/>
                           <a:cs typeface="+mn-cs"/>
                         </a:rPr>
-                        <a:t>Work to catch up over weekend hours as needed.  </a:t>
+                        <a:t>Work to catch up over weekend hours as needed. As well as a revised Project Plan.   </a:t>
                       </a:r>
                     </a:p>
                   </a:txBody>
